--- a/Second Review Presentation.pptx
+++ b/Second Review Presentation.pptx
@@ -5,7 +5,7 @@
     <p:sldMasterId id="2147483660" r:id="rId1"/>
   </p:sldMasterIdLst>
   <p:notesMasterIdLst>
-    <p:notesMasterId r:id="rId19"/>
+    <p:notesMasterId r:id="rId18"/>
   </p:notesMasterIdLst>
   <p:sldIdLst>
     <p:sldId id="257" r:id="rId2"/>
@@ -14,17 +14,16 @@
     <p:sldId id="262" r:id="rId5"/>
     <p:sldId id="280" r:id="rId6"/>
     <p:sldId id="274" r:id="rId7"/>
-    <p:sldId id="259" r:id="rId8"/>
-    <p:sldId id="263" r:id="rId9"/>
-    <p:sldId id="271" r:id="rId10"/>
-    <p:sldId id="273" r:id="rId11"/>
-    <p:sldId id="284" r:id="rId12"/>
-    <p:sldId id="265" r:id="rId13"/>
-    <p:sldId id="275" r:id="rId14"/>
-    <p:sldId id="266" r:id="rId15"/>
-    <p:sldId id="285" r:id="rId16"/>
-    <p:sldId id="279" r:id="rId17"/>
-    <p:sldId id="283" r:id="rId18"/>
+    <p:sldId id="263" r:id="rId8"/>
+    <p:sldId id="271" r:id="rId9"/>
+    <p:sldId id="273" r:id="rId10"/>
+    <p:sldId id="284" r:id="rId11"/>
+    <p:sldId id="265" r:id="rId12"/>
+    <p:sldId id="275" r:id="rId13"/>
+    <p:sldId id="266" r:id="rId14"/>
+    <p:sldId id="285" r:id="rId15"/>
+    <p:sldId id="279" r:id="rId16"/>
+    <p:sldId id="283" r:id="rId17"/>
   </p:sldIdLst>
   <p:sldSz cx="9144000" cy="6858000" type="screen4x3"/>
   <p:notesSz cx="6858000" cy="9144000"/>
@@ -5731,19 +5730,18 @@
             <p:ph type="title"/>
           </p:nvPr>
         </p:nvSpPr>
-        <p:spPr>
-          <a:xfrm>
-            <a:off x="914400" y="274638"/>
-            <a:ext cx="7772400" cy="868362"/>
-          </a:xfrm>
-        </p:spPr>
+        <p:spPr/>
         <p:txBody>
           <a:bodyPr/>
           <a:lstStyle/>
           <a:p>
             <a:r>
-              <a:rPr lang="en-US" dirty="0" smtClean="0"/>
-              <a:t>EXPERIMENTAL EVALUATION</a:t>
+              <a:rPr lang="en-US" b="1" dirty="0"/>
+              <a:t>MODULE </a:t>
+            </a:r>
+            <a:r>
+              <a:rPr lang="en-US" b="1" dirty="0" smtClean="0"/>
+              <a:t>DESCRIPTION</a:t>
             </a:r>
             <a:endParaRPr lang="en-US" dirty="0"/>
           </a:p>
@@ -5759,100 +5757,146 @@
             <p:ph sz="quarter" idx="1"/>
           </p:nvPr>
         </p:nvSpPr>
-        <p:spPr>
-          <a:xfrm>
-            <a:off x="914400" y="1447800"/>
-            <a:ext cx="7772400" cy="5219700"/>
-          </a:xfrm>
-        </p:spPr>
-        <p:txBody>
-          <a:bodyPr/>
-          <a:lstStyle/>
-          <a:p>
-            <a:r>
-              <a:rPr lang="en-US" dirty="0" smtClean="0"/>
-              <a:t>The evaluation is going to be done by “</a:t>
-            </a:r>
-            <a:r>
-              <a:rPr lang="en-US" dirty="0" err="1" smtClean="0"/>
-              <a:t>Invitro</a:t>
-            </a:r>
-            <a:r>
-              <a:rPr lang="en-US" dirty="0" smtClean="0"/>
-              <a:t> Experiment”</a:t>
-            </a:r>
-          </a:p>
-          <a:p>
-            <a:pPr lvl="2"/>
-            <a:r>
-              <a:rPr lang="en-US" dirty="0" smtClean="0"/>
-              <a:t>The main aim of this experiment is to study the trade-off between relevance and unexpectedness of recommendation lists computed by RWR-KI in order to understand whether the suggestions satisfy the personal interests of farmers on the one hand, and encourage the exploration of new areas of potential interests on the other hand.</a:t>
-            </a:r>
-          </a:p>
-          <a:p>
-            <a:r>
-              <a:rPr lang="en-US" dirty="0" smtClean="0"/>
-              <a:t>The evaluation need DATASET and some METRICS:</a:t>
-            </a:r>
-          </a:p>
-          <a:p>
-            <a:r>
-              <a:rPr lang="en-US" dirty="0" smtClean="0"/>
-              <a:t>The Metrics involves:</a:t>
-            </a:r>
-          </a:p>
-          <a:p>
-            <a:pPr lvl="2"/>
-            <a:r>
-              <a:rPr lang="en-US" dirty="0" smtClean="0"/>
-              <a:t>Relevance Measure</a:t>
-            </a:r>
-          </a:p>
-          <a:p>
-            <a:pPr lvl="2"/>
-            <a:r>
-              <a:rPr lang="en-US" dirty="0" smtClean="0"/>
-              <a:t>Unexpectedness</a:t>
-            </a:r>
-          </a:p>
-          <a:p>
-            <a:pPr lvl="2"/>
-            <a:r>
-              <a:rPr lang="en-US" dirty="0" smtClean="0"/>
-              <a:t>Serendipity</a:t>
-            </a:r>
-          </a:p>
-          <a:p>
-            <a:pPr marL="0" indent="0">
-              <a:buNone/>
-            </a:pPr>
-            <a:endParaRPr lang="en-US" dirty="0"/>
-          </a:p>
-        </p:txBody>
-      </p:sp>
-      <p:sp>
-        <p:nvSpPr>
-          <p:cNvPr id="4" name="Footer Placeholder 3"/>
-          <p:cNvSpPr>
-            <a:spLocks noGrp="1"/>
-          </p:cNvSpPr>
-          <p:nvPr>
-            <p:ph type="ftr" sz="quarter" idx="11"/>
-          </p:nvPr>
-        </p:nvSpPr>
         <p:spPr/>
         <p:txBody>
           <a:bodyPr/>
           <a:lstStyle/>
           <a:p>
-            <a:pPr>
-              <a:defRPr/>
+            <a:pPr lvl="0"/>
+            <a:r>
+              <a:rPr lang="en-US" sz="1600" b="1" dirty="0" smtClean="0"/>
+              <a:t>MODULE </a:t>
+            </a:r>
+            <a:r>
+              <a:rPr lang="en-US" sz="1600" b="1" dirty="0"/>
+              <a:t>1:  Interaction Model</a:t>
+            </a:r>
+            <a:endParaRPr lang="en-US" sz="1600" dirty="0"/>
+          </a:p>
+          <a:p>
+            <a:pPr marL="0" indent="0">
+              <a:buNone/>
             </a:pPr>
             <a:r>
-              <a:rPr lang="en-US" smtClean="0"/>
-              <a:t>Title</a:t>
-            </a:r>
-            <a:endParaRPr lang="en-US"/>
+              <a:rPr lang="en-US" sz="1600" dirty="0"/>
+              <a:t>	</a:t>
+            </a:r>
+            <a:r>
+              <a:rPr lang="en-US" sz="1600" dirty="0" smtClean="0"/>
+              <a:t>Developing </a:t>
+            </a:r>
+            <a:r>
+              <a:rPr lang="en-US" sz="1600" dirty="0"/>
+              <a:t>all possible utterances, slot values and intents.</a:t>
+            </a:r>
+          </a:p>
+          <a:p>
+            <a:pPr lvl="0"/>
+            <a:r>
+              <a:rPr lang="en-US" sz="1600" b="1" dirty="0"/>
+              <a:t>MODULE 2: Dynamic storage and Retrieval from DB</a:t>
+            </a:r>
+            <a:endParaRPr lang="en-US" sz="1600" dirty="0"/>
+          </a:p>
+          <a:p>
+            <a:pPr marL="0" indent="0">
+              <a:buNone/>
+            </a:pPr>
+            <a:r>
+              <a:rPr lang="en-US" sz="1600" dirty="0" smtClean="0"/>
+              <a:t>	Database </a:t>
+            </a:r>
+            <a:r>
+              <a:rPr lang="en-US" sz="1600" dirty="0"/>
+              <a:t>creation with table that will update itself dynamically (add and remove items).</a:t>
+            </a:r>
+          </a:p>
+          <a:p>
+            <a:pPr lvl="0"/>
+            <a:r>
+              <a:rPr lang="en-US" sz="1600" b="1" dirty="0"/>
+              <a:t>MODULE 3: Building a neural network</a:t>
+            </a:r>
+            <a:endParaRPr lang="en-US" sz="1600" dirty="0"/>
+          </a:p>
+          <a:p>
+            <a:pPr marL="0" indent="0">
+              <a:buNone/>
+            </a:pPr>
+            <a:r>
+              <a:rPr lang="en-US" sz="1600" dirty="0" smtClean="0"/>
+              <a:t>	Neural </a:t>
+            </a:r>
+            <a:r>
+              <a:rPr lang="en-US" sz="1600" dirty="0"/>
+              <a:t>networks is built using various clusters considering all soil and crop factors as attributes.</a:t>
+            </a:r>
+          </a:p>
+          <a:p>
+            <a:pPr lvl="0"/>
+            <a:r>
+              <a:rPr lang="en-US" sz="1600" b="1" dirty="0"/>
+              <a:t>MODULE 4: Tensor flow convolutional neural network</a:t>
+            </a:r>
+            <a:endParaRPr lang="en-US" sz="1600" dirty="0"/>
+          </a:p>
+          <a:p>
+            <a:pPr marL="0" indent="0">
+              <a:buNone/>
+            </a:pPr>
+            <a:r>
+              <a:rPr lang="en-US" sz="1600" dirty="0" smtClean="0"/>
+              <a:t>	The </a:t>
+            </a:r>
+            <a:r>
+              <a:rPr lang="en-US" sz="1600" dirty="0"/>
+              <a:t>tensor flow will provide the work model for the neural network that is the network will be evaluated based on some criteria and the criteria’s should be satisfied to get the result.</a:t>
+            </a:r>
+          </a:p>
+          <a:p>
+            <a:pPr lvl="0"/>
+            <a:r>
+              <a:rPr lang="en-US" sz="1600" b="1" dirty="0"/>
+              <a:t>MODULE 5: Create API in python using flask</a:t>
+            </a:r>
+            <a:endParaRPr lang="en-US" sz="1600" dirty="0"/>
+          </a:p>
+          <a:p>
+            <a:pPr marL="0" indent="0">
+              <a:buNone/>
+            </a:pPr>
+            <a:r>
+              <a:rPr lang="en-US" sz="1600" dirty="0" smtClean="0"/>
+              <a:t>	APIs </a:t>
+            </a:r>
+            <a:r>
+              <a:rPr lang="en-US" sz="1600" dirty="0"/>
+              <a:t>are the tools for making information and application functionality accessible over the internet.</a:t>
+            </a:r>
+          </a:p>
+          <a:p>
+            <a:pPr lvl="0"/>
+            <a:r>
+              <a:rPr lang="en-US" sz="1600" b="1" dirty="0"/>
+              <a:t>MODULE 6: Integrating the Application (cross platform app development)</a:t>
+            </a:r>
+            <a:endParaRPr lang="en-US" sz="1600" dirty="0"/>
+          </a:p>
+          <a:p>
+            <a:pPr marL="0" indent="0">
+              <a:buNone/>
+            </a:pPr>
+            <a:r>
+              <a:rPr lang="en-US" sz="1600" dirty="0" smtClean="0"/>
+              <a:t>	Integration </a:t>
+            </a:r>
+            <a:r>
+              <a:rPr lang="en-US" sz="1600" dirty="0"/>
+              <a:t>is done because we cannot judge a user whether he is using android or windows that is why cross platform facility is also enabled to be provided for all kinds of platforms.</a:t>
+            </a:r>
+          </a:p>
+          <a:p>
+            <a:endParaRPr lang="en-US" sz="1600" dirty="0"/>
           </a:p>
         </p:txBody>
       </p:sp>
@@ -5888,20 +5932,13 @@
     </p:spTree>
     <p:extLst>
       <p:ext uri="{BB962C8B-B14F-4D97-AF65-F5344CB8AC3E}">
-        <p14:creationId xmlns:p14="http://schemas.microsoft.com/office/powerpoint/2010/main" val="2158144607"/>
+        <p14:creationId xmlns:p14="http://schemas.microsoft.com/office/powerpoint/2010/main" val="3020254614"/>
       </p:ext>
     </p:extLst>
   </p:cSld>
   <p:clrMapOvr>
     <a:masterClrMapping/>
   </p:clrMapOvr>
-  <p:timing>
-    <p:tnLst>
-      <p:par>
-        <p:cTn id="1" dur="indefinite" restart="never" nodeType="tmRoot"/>
-      </p:par>
-    </p:tnLst>
-  </p:timing>
 </p:sld>
 </file>
 
@@ -5938,12 +5975,8 @@
           <a:lstStyle/>
           <a:p>
             <a:r>
-              <a:rPr lang="en-US" b="1" dirty="0"/>
-              <a:t>MODULE </a:t>
-            </a:r>
-            <a:r>
-              <a:rPr lang="en-US" b="1" dirty="0" smtClean="0"/>
-              <a:t>DESCRIPTION</a:t>
+              <a:rPr lang="en-US" dirty="0" smtClean="0"/>
+              <a:t>Software Hardware Requirements:</a:t>
             </a:r>
             <a:endParaRPr lang="en-US" dirty="0"/>
           </a:p>
@@ -5964,141 +5997,84 @@
           <a:bodyPr/>
           <a:lstStyle/>
           <a:p>
-            <a:pPr lvl="0"/>
-            <a:r>
-              <a:rPr lang="en-US" sz="1600" b="1" dirty="0" smtClean="0"/>
-              <a:t>MODULE </a:t>
-            </a:r>
-            <a:r>
-              <a:rPr lang="en-US" sz="1600" b="1" dirty="0"/>
-              <a:t>1:  Interaction Model</a:t>
-            </a:r>
-            <a:endParaRPr lang="en-US" sz="1600" dirty="0"/>
-          </a:p>
-          <a:p>
-            <a:pPr marL="0" indent="0">
-              <a:buNone/>
+            <a:r>
+              <a:rPr lang="en-US" dirty="0"/>
+              <a:t>BM's one-stop cloud computing shop provides all the cloud </a:t>
+            </a:r>
+            <a:r>
+              <a:rPr lang="en-US" dirty="0" smtClean="0"/>
+              <a:t>solutions </a:t>
+            </a:r>
+            <a:r>
+              <a:rPr lang="en-US" dirty="0"/>
+              <a:t>and </a:t>
+            </a:r>
+            <a:r>
+              <a:rPr lang="en-US" b="1" dirty="0"/>
+              <a:t>IBM cloud</a:t>
+            </a:r>
+            <a:r>
+              <a:rPr lang="en-US" dirty="0"/>
+              <a:t> tools </a:t>
+            </a:r>
+            <a:endParaRPr lang="en-US" dirty="0" smtClean="0"/>
+          </a:p>
+          <a:p>
+            <a:r>
+              <a:rPr lang="en-US" dirty="0"/>
+              <a:t>Environments</a:t>
+            </a:r>
+          </a:p>
+          <a:p>
+            <a:pPr lvl="2"/>
+            <a:r>
+              <a:rPr lang="en-US" dirty="0"/>
+              <a:t>Define the hardware size and software configuration for the runtime associated with Watson Studio tools such as notebooks</a:t>
+            </a:r>
+            <a:r>
+              <a:rPr lang="en-US" dirty="0" smtClean="0"/>
+              <a:t>.</a:t>
+            </a:r>
+          </a:p>
+          <a:p>
+            <a:pPr lvl="2"/>
+            <a:endParaRPr lang="en-US" dirty="0"/>
+          </a:p>
+          <a:p>
+            <a:pPr lvl="2"/>
+            <a:r>
+              <a:rPr lang="en-US" dirty="0"/>
+              <a:t>4 vCPU and 16 GB RAM</a:t>
+            </a:r>
+          </a:p>
+          <a:p>
+            <a:endParaRPr lang="en-US" dirty="0"/>
+          </a:p>
+        </p:txBody>
+      </p:sp>
+      <p:sp>
+        <p:nvSpPr>
+          <p:cNvPr id="4" name="Footer Placeholder 3"/>
+          <p:cNvSpPr>
+            <a:spLocks noGrp="1"/>
+          </p:cNvSpPr>
+          <p:nvPr>
+            <p:ph type="ftr" sz="quarter" idx="11"/>
+          </p:nvPr>
+        </p:nvSpPr>
+        <p:spPr/>
+        <p:txBody>
+          <a:bodyPr/>
+          <a:lstStyle/>
+          <a:p>
+            <a:pPr>
+              <a:defRPr/>
             </a:pPr>
             <a:r>
-              <a:rPr lang="en-US" sz="1600" dirty="0"/>
-              <a:t>	</a:t>
-            </a:r>
-            <a:r>
-              <a:rPr lang="en-US" sz="1600" dirty="0" smtClean="0"/>
-              <a:t>Developing </a:t>
-            </a:r>
-            <a:r>
-              <a:rPr lang="en-US" sz="1600" dirty="0"/>
-              <a:t>all possible utterances, slot values and intents.</a:t>
-            </a:r>
-          </a:p>
-          <a:p>
-            <a:pPr lvl="0"/>
-            <a:r>
-              <a:rPr lang="en-US" sz="1600" b="1" dirty="0"/>
-              <a:t>MODULE 2: Dynamic storage and Retrieval from DB</a:t>
-            </a:r>
-            <a:endParaRPr lang="en-US" sz="1600" dirty="0"/>
-          </a:p>
-          <a:p>
-            <a:pPr marL="0" indent="0">
-              <a:buNone/>
-            </a:pPr>
-            <a:r>
-              <a:rPr lang="en-US" sz="1600" dirty="0" smtClean="0"/>
-              <a:t>	Database </a:t>
-            </a:r>
-            <a:r>
-              <a:rPr lang="en-US" sz="1600" dirty="0"/>
-              <a:t>creation with table that will update itself dynamically (add and remove items).</a:t>
-            </a:r>
-          </a:p>
-          <a:p>
-            <a:pPr lvl="0"/>
-            <a:r>
-              <a:rPr lang="en-US" sz="1600" b="1" dirty="0"/>
-              <a:t>MODULE 3: Building a neural network</a:t>
-            </a:r>
-            <a:endParaRPr lang="en-US" sz="1600" dirty="0"/>
-          </a:p>
-          <a:p>
-            <a:pPr marL="0" indent="0">
-              <a:buNone/>
-            </a:pPr>
-            <a:r>
-              <a:rPr lang="en-US" sz="1600" dirty="0" smtClean="0"/>
-              <a:t>	Neural </a:t>
-            </a:r>
-            <a:r>
-              <a:rPr lang="en-US" sz="1600" dirty="0"/>
-              <a:t>networks is built using various clusters considering all soil and crop factors as attributes.</a:t>
-            </a:r>
-          </a:p>
-          <a:p>
-            <a:pPr lvl="0"/>
-            <a:r>
-              <a:rPr lang="en-US" sz="1600" b="1" dirty="0"/>
-              <a:t>MODULE 4: Tensor flow convolutional neural network</a:t>
-            </a:r>
-            <a:endParaRPr lang="en-US" sz="1600" dirty="0"/>
-          </a:p>
-          <a:p>
-            <a:pPr marL="0" indent="0">
-              <a:buNone/>
-            </a:pPr>
-            <a:r>
-              <a:rPr lang="en-US" sz="1600" dirty="0" smtClean="0"/>
-              <a:t>	The </a:t>
-            </a:r>
-            <a:r>
-              <a:rPr lang="en-US" sz="1600" dirty="0"/>
-              <a:t>tensor flow will provide the work model for the neural network that is the network will be evaluated based on some criteria and the criteria’s should be satisfied to get the result.</a:t>
-            </a:r>
-          </a:p>
-          <a:p>
-            <a:pPr lvl="0"/>
-            <a:r>
-              <a:rPr lang="en-US" sz="1600" b="1" dirty="0"/>
-              <a:t>MODULE 5: Create API in python using flask</a:t>
-            </a:r>
-            <a:endParaRPr lang="en-US" sz="1600" dirty="0"/>
-          </a:p>
-          <a:p>
-            <a:pPr marL="0" indent="0">
-              <a:buNone/>
-            </a:pPr>
-            <a:r>
-              <a:rPr lang="en-US" sz="1600" dirty="0" smtClean="0"/>
-              <a:t>	APIs </a:t>
-            </a:r>
-            <a:r>
-              <a:rPr lang="en-US" sz="1600" dirty="0"/>
-              <a:t>are the tools for making information and application functionality accessible over the internet.</a:t>
-            </a:r>
-          </a:p>
-          <a:p>
-            <a:pPr lvl="0"/>
-            <a:r>
-              <a:rPr lang="en-US" sz="1600" b="1" dirty="0"/>
-              <a:t>MODULE 6: Integrating the Application (cross platform app development)</a:t>
-            </a:r>
-            <a:endParaRPr lang="en-US" sz="1600" dirty="0"/>
-          </a:p>
-          <a:p>
-            <a:pPr marL="0" indent="0">
-              <a:buNone/>
-            </a:pPr>
-            <a:r>
-              <a:rPr lang="en-US" sz="1600" dirty="0" smtClean="0"/>
-              <a:t>	Integration </a:t>
-            </a:r>
-            <a:r>
-              <a:rPr lang="en-US" sz="1600" dirty="0"/>
-              <a:t>is done because we cannot judge a user whether he is using android or windows that is why cross platform facility is also enabled to be provided for all kinds of platforms.</a:t>
-            </a:r>
-          </a:p>
-          <a:p>
-            <a:endParaRPr lang="en-US" sz="1600" dirty="0"/>
+              <a:rPr lang="en-US" smtClean="0"/>
+              <a:t>Title</a:t>
+            </a:r>
+            <a:endParaRPr lang="en-US"/>
           </a:p>
         </p:txBody>
       </p:sp>
@@ -6134,13 +6110,20 @@
     </p:spTree>
     <p:extLst>
       <p:ext uri="{BB962C8B-B14F-4D97-AF65-F5344CB8AC3E}">
-        <p14:creationId xmlns:p14="http://schemas.microsoft.com/office/powerpoint/2010/main" val="3020254614"/>
+        <p14:creationId xmlns:p14="http://schemas.microsoft.com/office/powerpoint/2010/main" val="965867434"/>
       </p:ext>
     </p:extLst>
   </p:cSld>
   <p:clrMapOvr>
     <a:masterClrMapping/>
   </p:clrMapOvr>
+  <p:timing>
+    <p:tnLst>
+      <p:par>
+        <p:cTn id="1" dur="indefinite" restart="never" nodeType="tmRoot"/>
+      </p:par>
+    </p:tnLst>
+  </p:timing>
 </p:sld>
 </file>
 
@@ -6178,7 +6161,7 @@
           <a:p>
             <a:r>
               <a:rPr lang="en-US" dirty="0" smtClean="0"/>
-              <a:t>Software Hardware Requirements:</a:t>
+              <a:t>Live Coding</a:t>
             </a:r>
             <a:endParaRPr lang="en-US" dirty="0"/>
           </a:p>
@@ -6199,57 +6182,6 @@
           <a:bodyPr/>
           <a:lstStyle/>
           <a:p>
-            <a:r>
-              <a:rPr lang="en-US" dirty="0"/>
-              <a:t>BM's one-stop cloud computing shop provides all the cloud </a:t>
-            </a:r>
-            <a:r>
-              <a:rPr lang="en-US" dirty="0" smtClean="0"/>
-              <a:t>solutions </a:t>
-            </a:r>
-            <a:r>
-              <a:rPr lang="en-US" dirty="0"/>
-              <a:t>and </a:t>
-            </a:r>
-            <a:r>
-              <a:rPr lang="en-US" b="1" dirty="0"/>
-              <a:t>IBM cloud</a:t>
-            </a:r>
-            <a:r>
-              <a:rPr lang="en-US" dirty="0"/>
-              <a:t> tools </a:t>
-            </a:r>
-            <a:endParaRPr lang="en-US" dirty="0" smtClean="0"/>
-          </a:p>
-          <a:p>
-            <a:r>
-              <a:rPr lang="en-US" dirty="0"/>
-              <a:t>Environments</a:t>
-            </a:r>
-          </a:p>
-          <a:p>
-            <a:pPr lvl="2"/>
-            <a:r>
-              <a:rPr lang="en-US" dirty="0"/>
-              <a:t>Define the hardware size and software configuration for the runtime associated with Watson Studio tools such as notebooks</a:t>
-            </a:r>
-            <a:r>
-              <a:rPr lang="en-US" dirty="0" smtClean="0"/>
-              <a:t>.</a:t>
-            </a:r>
-          </a:p>
-          <a:p>
-            <a:pPr lvl="2"/>
-            <a:endParaRPr lang="en-US" dirty="0"/>
-          </a:p>
-          <a:p>
-            <a:pPr lvl="2"/>
-            <a:r>
-              <a:rPr lang="en-US" dirty="0"/>
-              <a:t>4 vCPU and 16 GB RAM</a:t>
-            </a:r>
-          </a:p>
-          <a:p>
             <a:endParaRPr lang="en-US" dirty="0"/>
           </a:p>
         </p:txBody>
@@ -6312,7 +6244,7 @@
     </p:spTree>
     <p:extLst>
       <p:ext uri="{BB962C8B-B14F-4D97-AF65-F5344CB8AC3E}">
-        <p14:creationId xmlns:p14="http://schemas.microsoft.com/office/powerpoint/2010/main" val="965867434"/>
+        <p14:creationId xmlns:p14="http://schemas.microsoft.com/office/powerpoint/2010/main" val="3338749789"/>
       </p:ext>
     </p:extLst>
   </p:cSld>
@@ -6363,7 +6295,7 @@
           <a:p>
             <a:r>
               <a:rPr lang="en-US" dirty="0" smtClean="0"/>
-              <a:t>Live Coding</a:t>
+              <a:t>Data Set:</a:t>
             </a:r>
             <a:endParaRPr lang="en-US" dirty="0"/>
           </a:p>
@@ -6384,7 +6316,44 @@
           <a:bodyPr/>
           <a:lstStyle/>
           <a:p>
+            <a:r>
+              <a:rPr lang="en-US" dirty="0"/>
+              <a:t>Open </a:t>
+            </a:r>
+            <a:r>
+              <a:rPr lang="en-US" b="1" dirty="0"/>
+              <a:t>Government Data</a:t>
+            </a:r>
+            <a:r>
+              <a:rPr lang="en-US" dirty="0"/>
+              <a:t> Platform (OGD) India is a single-point of access to Datasets/Apps in open format published by Ministries/Departments</a:t>
+            </a:r>
+            <a:r>
+              <a:rPr lang="en-US" dirty="0" smtClean="0"/>
+              <a:t>.</a:t>
+            </a:r>
+          </a:p>
+          <a:p>
+            <a:pPr lvl="1"/>
+            <a:r>
+              <a:rPr lang="en-US" dirty="0">
+                <a:hlinkClick r:id="rId2"/>
+              </a:rPr>
+              <a:t>https://data.gov.in</a:t>
+            </a:r>
+            <a:r>
+              <a:rPr lang="en-US" dirty="0" smtClean="0">
+                <a:hlinkClick r:id="rId2"/>
+              </a:rPr>
+              <a:t>/</a:t>
+            </a:r>
             <a:endParaRPr lang="en-US" dirty="0"/>
+          </a:p>
+          <a:p>
+            <a:pPr marL="319088" lvl="1" indent="0">
+              <a:buNone/>
+            </a:pPr>
+            <a:endParaRPr lang="en-US" dirty="0" smtClean="0"/>
           </a:p>
         </p:txBody>
       </p:sp>
@@ -6446,7 +6415,7 @@
     </p:spTree>
     <p:extLst>
       <p:ext uri="{BB962C8B-B14F-4D97-AF65-F5344CB8AC3E}">
-        <p14:creationId xmlns:p14="http://schemas.microsoft.com/office/powerpoint/2010/main" val="3338749789"/>
+        <p14:creationId xmlns:p14="http://schemas.microsoft.com/office/powerpoint/2010/main" val="4223669987"/>
       </p:ext>
     </p:extLst>
   </p:cSld>
@@ -6496,8 +6465,18 @@
           <a:lstStyle/>
           <a:p>
             <a:r>
-              <a:rPr lang="en-US" dirty="0" smtClean="0"/>
-              <a:t>Data Set:</a:t>
+              <a:rPr lang="en-US" b="1" dirty="0">
+                <a:latin typeface="Times New Roman" panose="02020603050405020304" pitchFamily="18" charset="0"/>
+                <a:cs typeface="Times New Roman" panose="02020603050405020304" pitchFamily="18" charset="0"/>
+              </a:rPr>
+              <a:t>Certification </a:t>
+            </a:r>
+            <a:r>
+              <a:rPr lang="en-US" b="1" dirty="0" smtClean="0">
+                <a:latin typeface="Times New Roman" panose="02020603050405020304" pitchFamily="18" charset="0"/>
+                <a:cs typeface="Times New Roman" panose="02020603050405020304" pitchFamily="18" charset="0"/>
+              </a:rPr>
+              <a:t>Course</a:t>
             </a:r>
             <a:endParaRPr lang="en-US" dirty="0"/>
           </a:p>
@@ -6518,44 +6497,7 @@
           <a:bodyPr/>
           <a:lstStyle/>
           <a:p>
-            <a:r>
-              <a:rPr lang="en-US" dirty="0"/>
-              <a:t>Open </a:t>
-            </a:r>
-            <a:r>
-              <a:rPr lang="en-US" b="1" dirty="0"/>
-              <a:t>Government Data</a:t>
-            </a:r>
-            <a:r>
-              <a:rPr lang="en-US" dirty="0"/>
-              <a:t> Platform (OGD) India is a single-point of access to Datasets/Apps in open format published by Ministries/Departments</a:t>
-            </a:r>
-            <a:r>
-              <a:rPr lang="en-US" dirty="0" smtClean="0"/>
-              <a:t>.</a:t>
-            </a:r>
-          </a:p>
-          <a:p>
-            <a:pPr lvl="1"/>
-            <a:r>
-              <a:rPr lang="en-US" dirty="0">
-                <a:hlinkClick r:id="rId2"/>
-              </a:rPr>
-              <a:t>https://data.gov.in</a:t>
-            </a:r>
-            <a:r>
-              <a:rPr lang="en-US" dirty="0" smtClean="0">
-                <a:hlinkClick r:id="rId2"/>
-              </a:rPr>
-              <a:t>/</a:t>
-            </a:r>
-            <a:endParaRPr lang="en-US" dirty="0"/>
-          </a:p>
-          <a:p>
-            <a:pPr marL="319088" lvl="1" indent="0">
-              <a:buNone/>
-            </a:pPr>
-            <a:endParaRPr lang="en-US" dirty="0" smtClean="0"/>
+            <a:endParaRPr lang="en-US"/>
           </a:p>
         </p:txBody>
       </p:sp>
@@ -6617,150 +6559,6 @@
     </p:spTree>
     <p:extLst>
       <p:ext uri="{BB962C8B-B14F-4D97-AF65-F5344CB8AC3E}">
-        <p14:creationId xmlns:p14="http://schemas.microsoft.com/office/powerpoint/2010/main" val="4223669987"/>
-      </p:ext>
-    </p:extLst>
-  </p:cSld>
-  <p:clrMapOvr>
-    <a:masterClrMapping/>
-  </p:clrMapOvr>
-  <p:timing>
-    <p:tnLst>
-      <p:par>
-        <p:cTn id="1" dur="indefinite" restart="never" nodeType="tmRoot"/>
-      </p:par>
-    </p:tnLst>
-  </p:timing>
-</p:sld>
-</file>
-
-<file path=ppt/slides/slide15.xml><?xml version="1.0" encoding="utf-8"?>
-<p:sld xmlns:a="http://schemas.openxmlformats.org/drawingml/2006/main" xmlns:r="http://schemas.openxmlformats.org/officeDocument/2006/relationships" xmlns:p="http://schemas.openxmlformats.org/presentationml/2006/main">
-  <p:cSld>
-    <p:spTree>
-      <p:nvGrpSpPr>
-        <p:cNvPr id="1" name=""/>
-        <p:cNvGrpSpPr/>
-        <p:nvPr/>
-      </p:nvGrpSpPr>
-      <p:grpSpPr>
-        <a:xfrm>
-          <a:off x="0" y="0"/>
-          <a:ext cx="0" cy="0"/>
-          <a:chOff x="0" y="0"/>
-          <a:chExt cx="0" cy="0"/>
-        </a:xfrm>
-      </p:grpSpPr>
-      <p:sp>
-        <p:nvSpPr>
-          <p:cNvPr id="2" name="Title 1"/>
-          <p:cNvSpPr>
-            <a:spLocks noGrp="1"/>
-          </p:cNvSpPr>
-          <p:nvPr>
-            <p:ph type="title"/>
-          </p:nvPr>
-        </p:nvSpPr>
-        <p:spPr/>
-        <p:txBody>
-          <a:bodyPr/>
-          <a:lstStyle/>
-          <a:p>
-            <a:r>
-              <a:rPr lang="en-US" b="1" dirty="0">
-                <a:latin typeface="Times New Roman" panose="02020603050405020304" pitchFamily="18" charset="0"/>
-                <a:cs typeface="Times New Roman" panose="02020603050405020304" pitchFamily="18" charset="0"/>
-              </a:rPr>
-              <a:t>Certification </a:t>
-            </a:r>
-            <a:r>
-              <a:rPr lang="en-US" b="1" dirty="0" smtClean="0">
-                <a:latin typeface="Times New Roman" panose="02020603050405020304" pitchFamily="18" charset="0"/>
-                <a:cs typeface="Times New Roman" panose="02020603050405020304" pitchFamily="18" charset="0"/>
-              </a:rPr>
-              <a:t>Course</a:t>
-            </a:r>
-            <a:endParaRPr lang="en-US" dirty="0"/>
-          </a:p>
-        </p:txBody>
-      </p:sp>
-      <p:sp>
-        <p:nvSpPr>
-          <p:cNvPr id="3" name="Content Placeholder 2"/>
-          <p:cNvSpPr>
-            <a:spLocks noGrp="1"/>
-          </p:cNvSpPr>
-          <p:nvPr>
-            <p:ph sz="quarter" idx="1"/>
-          </p:nvPr>
-        </p:nvSpPr>
-        <p:spPr/>
-        <p:txBody>
-          <a:bodyPr/>
-          <a:lstStyle/>
-          <a:p>
-            <a:endParaRPr lang="en-US"/>
-          </a:p>
-        </p:txBody>
-      </p:sp>
-      <p:sp>
-        <p:nvSpPr>
-          <p:cNvPr id="4" name="Footer Placeholder 3"/>
-          <p:cNvSpPr>
-            <a:spLocks noGrp="1"/>
-          </p:cNvSpPr>
-          <p:nvPr>
-            <p:ph type="ftr" sz="quarter" idx="11"/>
-          </p:nvPr>
-        </p:nvSpPr>
-        <p:spPr/>
-        <p:txBody>
-          <a:bodyPr/>
-          <a:lstStyle/>
-          <a:p>
-            <a:pPr>
-              <a:defRPr/>
-            </a:pPr>
-            <a:r>
-              <a:rPr lang="en-US" smtClean="0"/>
-              <a:t>Title</a:t>
-            </a:r>
-            <a:endParaRPr lang="en-US"/>
-          </a:p>
-        </p:txBody>
-      </p:sp>
-      <p:sp>
-        <p:nvSpPr>
-          <p:cNvPr id="5" name="Slide Number Placeholder 4"/>
-          <p:cNvSpPr>
-            <a:spLocks noGrp="1"/>
-          </p:cNvSpPr>
-          <p:nvPr>
-            <p:ph type="sldNum" sz="quarter" idx="12"/>
-          </p:nvPr>
-        </p:nvSpPr>
-        <p:spPr/>
-        <p:txBody>
-          <a:bodyPr/>
-          <a:lstStyle/>
-          <a:p>
-            <a:pPr>
-              <a:defRPr/>
-            </a:pPr>
-            <a:fld id="{E24E1BA5-2B3A-4BA0-82C4-250B1E03B99C}" type="slidenum">
-              <a:rPr lang="en-US" smtClean="0"/>
-              <a:pPr>
-                <a:defRPr/>
-              </a:pPr>
-              <a:t>15</a:t>
-            </a:fld>
-            <a:endParaRPr lang="en-US"/>
-          </a:p>
-        </p:txBody>
-      </p:sp>
-    </p:spTree>
-    <p:extLst>
-      <p:ext uri="{BB962C8B-B14F-4D97-AF65-F5344CB8AC3E}">
         <p14:creationId xmlns:p14="http://schemas.microsoft.com/office/powerpoint/2010/main" val="2682763860"/>
       </p:ext>
     </p:extLst>
@@ -6771,7 +6569,7 @@
 </p:sld>
 </file>
 
-<file path=ppt/slides/slide16.xml><?xml version="1.0" encoding="utf-8"?>
+<file path=ppt/slides/slide15.xml><?xml version="1.0" encoding="utf-8"?>
 <p:sld xmlns:a="http://schemas.openxmlformats.org/drawingml/2006/main" xmlns:r="http://schemas.openxmlformats.org/officeDocument/2006/relationships" xmlns:p="http://schemas.openxmlformats.org/presentationml/2006/main">
   <p:cSld>
     <p:spTree>
@@ -18246,7 +18044,7 @@
           <a:p>
             <a:fld id="{E24E1BA5-2B3A-4BA0-82C4-250B1E03B99C}" type="slidenum">
               <a:rPr lang="en-US"/>
-              <a:t>16</a:t>
+              <a:t>15</a:t>
             </a:fld>
             <a:endParaRPr lang="en-US"/>
           </a:p>
@@ -18272,7 +18070,7 @@
 </p:sld>
 </file>
 
-<file path=ppt/slides/slide17.xml><?xml version="1.0" encoding="utf-8"?>
+<file path=ppt/slides/slide16.xml><?xml version="1.0" encoding="utf-8"?>
 <p:sld xmlns:a="http://schemas.openxmlformats.org/drawingml/2006/main" xmlns:r="http://schemas.openxmlformats.org/officeDocument/2006/relationships" xmlns:p="http://schemas.openxmlformats.org/presentationml/2006/main">
   <p:cSld>
     <p:spTree>
@@ -18366,7 +18164,7 @@
               <a:pPr>
                 <a:defRPr/>
               </a:pPr>
-              <a:t>17</a:t>
+              <a:t>16</a:t>
             </a:fld>
             <a:endParaRPr lang="en-US"/>
           </a:p>
@@ -19088,7 +18886,7 @@
         </p:nvSpPr>
         <p:spPr>
           <a:xfrm>
-            <a:off x="838200" y="2590800"/>
+            <a:off x="638601" y="685800"/>
             <a:ext cx="7772400" cy="1143000"/>
           </a:xfrm>
         </p:spPr>
@@ -19159,6 +18957,30 @@
               <a:t>6</a:t>
             </a:fld>
             <a:endParaRPr lang="en-US"/>
+          </a:p>
+        </p:txBody>
+      </p:sp>
+      <p:sp>
+        <p:nvSpPr>
+          <p:cNvPr id="6" name="Content Placeholder 1"/>
+          <p:cNvSpPr>
+            <a:spLocks noGrp="1"/>
+          </p:cNvSpPr>
+          <p:nvPr>
+            <p:ph sz="quarter" idx="1"/>
+          </p:nvPr>
+        </p:nvSpPr>
+        <p:spPr>
+          <a:xfrm>
+            <a:off x="914400" y="1447800"/>
+            <a:ext cx="7772400" cy="4572000"/>
+          </a:xfrm>
+        </p:spPr>
+        <p:txBody>
+          <a:bodyPr/>
+          <a:lstStyle/>
+          <a:p>
+            <a:endParaRPr lang="en-US" dirty="0"/>
           </a:p>
         </p:txBody>
       </p:sp>
@@ -19201,6 +19023,102 @@
       </p:grpSpPr>
       <p:sp>
         <p:nvSpPr>
+          <p:cNvPr id="3" name="Content Placeholder 2"/>
+          <p:cNvSpPr>
+            <a:spLocks noGrp="1"/>
+          </p:cNvSpPr>
+          <p:nvPr>
+            <p:ph sz="quarter" idx="1"/>
+          </p:nvPr>
+        </p:nvSpPr>
+        <p:spPr>
+          <a:xfrm>
+            <a:off x="568685" y="381000"/>
+            <a:ext cx="7772400" cy="4572000"/>
+          </a:xfrm>
+        </p:spPr>
+        <p:txBody>
+          <a:bodyPr/>
+          <a:lstStyle/>
+          <a:p>
+            <a:pPr marL="0" indent="0">
+              <a:buNone/>
+            </a:pPr>
+            <a:r>
+              <a:rPr lang="en-US" sz="2800" b="1" dirty="0">
+                <a:latin typeface="Arial" panose="020B0604020202020204" pitchFamily="34" charset="0"/>
+                <a:cs typeface="Arial" panose="020B0604020202020204" pitchFamily="34" charset="0"/>
+              </a:rPr>
+              <a:t>1. Gradient descent</a:t>
+            </a:r>
+          </a:p>
+          <a:p>
+            <a:r>
+              <a:rPr lang="en-US" sz="2000" i="1" dirty="0">
+                <a:latin typeface="Arial" panose="020B0604020202020204" pitchFamily="34" charset="0"/>
+                <a:cs typeface="Arial" panose="020B0604020202020204" pitchFamily="34" charset="0"/>
+              </a:rPr>
+              <a:t>Gradient descent, also known as steepest descent, is the simplest training algorithm. It requires information from the gradient vector, and hence it is a first order method.</a:t>
+            </a:r>
+          </a:p>
+          <a:p>
+            <a:pPr marL="0" indent="0">
+              <a:buNone/>
+            </a:pPr>
+            <a:endParaRPr lang="en-US" sz="2000" i="1" dirty="0" smtClean="0">
+              <a:latin typeface="Arial" panose="020B0604020202020204" pitchFamily="34" charset="0"/>
+              <a:cs typeface="Arial" panose="020B0604020202020204" pitchFamily="34" charset="0"/>
+            </a:endParaRPr>
+          </a:p>
+          <a:p>
+            <a:pPr marL="0" indent="0">
+              <a:buNone/>
+            </a:pPr>
+            <a:r>
+              <a:rPr lang="en-US" sz="2000" i="1" dirty="0" smtClean="0">
+                <a:latin typeface="Arial" panose="020B0604020202020204" pitchFamily="34" charset="0"/>
+                <a:cs typeface="Arial" panose="020B0604020202020204" pitchFamily="34" charset="0"/>
+              </a:rPr>
+              <a:t>The </a:t>
+            </a:r>
+            <a:r>
+              <a:rPr lang="en-US" sz="2000" i="1" dirty="0">
+                <a:latin typeface="Arial" panose="020B0604020202020204" pitchFamily="34" charset="0"/>
+                <a:cs typeface="Arial" panose="020B0604020202020204" pitchFamily="34" charset="0"/>
+              </a:rPr>
+              <a:t>parameter η is the training rate. This value can either set to a fixed value or found by one-dimensional optimization along the training direction at each step. An optimal value for the training rate obtained by line minimization at each successive step is generally preferable. However, there are still many software tools that only use a fixed value for the training rate.</a:t>
+            </a:r>
+          </a:p>
+        </p:txBody>
+      </p:sp>
+      <p:sp>
+        <p:nvSpPr>
+          <p:cNvPr id="4" name="Footer Placeholder 3"/>
+          <p:cNvSpPr>
+            <a:spLocks noGrp="1"/>
+          </p:cNvSpPr>
+          <p:nvPr>
+            <p:ph type="ftr" sz="quarter" idx="11"/>
+          </p:nvPr>
+        </p:nvSpPr>
+        <p:spPr/>
+        <p:txBody>
+          <a:bodyPr/>
+          <a:lstStyle/>
+          <a:p>
+            <a:pPr>
+              <a:defRPr/>
+            </a:pPr>
+            <a:r>
+              <a:rPr lang="en-US" smtClean="0"/>
+              <a:t>Title</a:t>
+            </a:r>
+            <a:endParaRPr lang="en-US"/>
+          </a:p>
+        </p:txBody>
+      </p:sp>
+      <p:sp>
+        <p:nvSpPr>
           <p:cNvPr id="5" name="Slide Number Placeholder 4"/>
           <p:cNvSpPr>
             <a:spLocks noGrp="1"/>
@@ -19228,29 +19146,10 @@
           </a:p>
         </p:txBody>
       </p:sp>
-      <p:sp>
-        <p:nvSpPr>
-          <p:cNvPr id="2" name="Content Placeholder 1"/>
-          <p:cNvSpPr>
-            <a:spLocks noGrp="1"/>
-          </p:cNvSpPr>
-          <p:nvPr>
-            <p:ph sz="quarter" idx="1"/>
-          </p:nvPr>
-        </p:nvSpPr>
-        <p:spPr/>
-        <p:txBody>
-          <a:bodyPr/>
-          <a:lstStyle/>
-          <a:p>
-            <a:endParaRPr lang="en-US" dirty="0"/>
-          </a:p>
-        </p:txBody>
-      </p:sp>
     </p:spTree>
     <p:extLst>
       <p:ext uri="{BB962C8B-B14F-4D97-AF65-F5344CB8AC3E}">
-        <p14:creationId xmlns:p14="http://schemas.microsoft.com/office/powerpoint/2010/main" val="1120630821"/>
+        <p14:creationId xmlns:p14="http://schemas.microsoft.com/office/powerpoint/2010/main" val="3918405347"/>
       </p:ext>
     </p:extLst>
   </p:cSld>
@@ -19286,6 +19185,34 @@
       </p:grpSpPr>
       <p:sp>
         <p:nvSpPr>
+          <p:cNvPr id="2" name="Title 1"/>
+          <p:cNvSpPr>
+            <a:spLocks noGrp="1"/>
+          </p:cNvSpPr>
+          <p:nvPr>
+            <p:ph type="title"/>
+          </p:nvPr>
+        </p:nvSpPr>
+        <p:spPr>
+          <a:xfrm>
+            <a:off x="914400" y="274638"/>
+            <a:ext cx="7772400" cy="868362"/>
+          </a:xfrm>
+        </p:spPr>
+        <p:txBody>
+          <a:bodyPr/>
+          <a:lstStyle/>
+          <a:p>
+            <a:r>
+              <a:rPr lang="en-US" dirty="0" smtClean="0"/>
+              <a:t>Knowledge Infusion Process</a:t>
+            </a:r>
+            <a:endParaRPr lang="en-US" dirty="0"/>
+          </a:p>
+        </p:txBody>
+      </p:sp>
+      <p:sp>
+        <p:nvSpPr>
           <p:cNvPr id="3" name="Content Placeholder 2"/>
           <p:cNvSpPr>
             <a:spLocks noGrp="1"/>
@@ -19294,64 +19221,88 @@
             <p:ph sz="quarter" idx="1"/>
           </p:nvPr>
         </p:nvSpPr>
-        <p:spPr>
-          <a:xfrm>
-            <a:off x="568685" y="381000"/>
-            <a:ext cx="7772400" cy="4572000"/>
-          </a:xfrm>
-        </p:spPr>
+        <p:spPr/>
         <p:txBody>
           <a:bodyPr/>
           <a:lstStyle/>
           <a:p>
-            <a:pPr marL="0" indent="0">
-              <a:buNone/>
-            </a:pPr>
-            <a:r>
-              <a:rPr lang="en-US" sz="2800" b="1" dirty="0">
+            <a:r>
+              <a:rPr lang="en-US" sz="2400" dirty="0" smtClean="0">
                 <a:latin typeface="Arial" panose="020B0604020202020204" pitchFamily="34" charset="0"/>
                 <a:cs typeface="Arial" panose="020B0604020202020204" pitchFamily="34" charset="0"/>
               </a:rPr>
-              <a:t>1. Gradient descent</a:t>
-            </a:r>
-          </a:p>
-          <a:p>
-            <a:r>
-              <a:rPr lang="en-US" sz="2000" i="1" dirty="0">
+              <a:t>This process mainly concentrate on Knowledge repository and also gives advantage of </a:t>
+            </a:r>
+            <a:r>
+              <a:rPr lang="en-US" sz="2400" dirty="0" err="1" smtClean="0">
                 <a:latin typeface="Arial" panose="020B0604020202020204" pitchFamily="34" charset="0"/>
                 <a:cs typeface="Arial" panose="020B0604020202020204" pitchFamily="34" charset="0"/>
               </a:rPr>
-              <a:t>Gradient descent, also known as steepest descent, is the simplest training algorithm. It requires information from the gradient vector, and hence it is a first order method.</a:t>
-            </a:r>
-          </a:p>
-          <a:p>
-            <a:pPr marL="0" indent="0">
-              <a:buNone/>
-            </a:pPr>
-            <a:endParaRPr lang="en-US" sz="2000" i="1" dirty="0" smtClean="0">
-              <a:latin typeface="Arial" panose="020B0604020202020204" pitchFamily="34" charset="0"/>
-              <a:cs typeface="Arial" panose="020B0604020202020204" pitchFamily="34" charset="0"/>
-            </a:endParaRPr>
-          </a:p>
-          <a:p>
-            <a:pPr marL="0" indent="0">
-              <a:buNone/>
-            </a:pPr>
-            <a:r>
-              <a:rPr lang="en-US" sz="2000" i="1" dirty="0" smtClean="0">
+              <a:t>updation</a:t>
+            </a:r>
+            <a:r>
+              <a:rPr lang="en-US" sz="2400" dirty="0" smtClean="0">
                 <a:latin typeface="Arial" panose="020B0604020202020204" pitchFamily="34" charset="0"/>
                 <a:cs typeface="Arial" panose="020B0604020202020204" pitchFamily="34" charset="0"/>
               </a:rPr>
-              <a:t>The </a:t>
-            </a:r>
-            <a:r>
-              <a:rPr lang="en-US" sz="2000" i="1" dirty="0">
+              <a:t> an changes.</a:t>
+            </a:r>
+          </a:p>
+          <a:p>
+            <a:r>
+              <a:rPr lang="en-US" sz="2400" dirty="0" smtClean="0">
                 <a:latin typeface="Arial" panose="020B0604020202020204" pitchFamily="34" charset="0"/>
                 <a:cs typeface="Arial" panose="020B0604020202020204" pitchFamily="34" charset="0"/>
               </a:rPr>
-              <a:t>parameter η is the training rate. This value can either set to a fixed value or found by one-dimensional optimization along the training direction at each step. An optimal value for the training rate obtained by line minimization at each successive step is generally preferable. However, there are still many software tools that only use a fixed value for the training rate.</a:t>
-            </a:r>
-            <a:endParaRPr lang="en-US" sz="2000" i="1" dirty="0">
+              <a:t>There are two steps involved in this process:</a:t>
+            </a:r>
+          </a:p>
+          <a:p>
+            <a:pPr lvl="2"/>
+            <a:r>
+              <a:rPr lang="en-US" sz="1800" dirty="0" smtClean="0">
+                <a:latin typeface="Arial" panose="020B0604020202020204" pitchFamily="34" charset="0"/>
+                <a:cs typeface="Arial" panose="020B0604020202020204" pitchFamily="34" charset="0"/>
+              </a:rPr>
+              <a:t>Knowledge Extraction And Harmonization.</a:t>
+            </a:r>
+          </a:p>
+          <a:p>
+            <a:pPr lvl="2"/>
+            <a:r>
+              <a:rPr lang="en-US" sz="1800" dirty="0" smtClean="0">
+                <a:latin typeface="Arial" panose="020B0604020202020204" pitchFamily="34" charset="0"/>
+                <a:cs typeface="Arial" panose="020B0604020202020204" pitchFamily="34" charset="0"/>
+              </a:rPr>
+              <a:t>Reasoning(Network Line Structure)</a:t>
+            </a:r>
+          </a:p>
+          <a:p>
+            <a:pPr>
+              <a:buFont typeface="Wingdings" panose="05000000000000000000" pitchFamily="2" charset="2"/>
+              <a:buChar char="§"/>
+            </a:pPr>
+            <a:r>
+              <a:rPr lang="en-US" sz="2400" dirty="0" smtClean="0">
+                <a:latin typeface="Arial" panose="020B0604020202020204" pitchFamily="34" charset="0"/>
+                <a:cs typeface="Arial" panose="020B0604020202020204" pitchFamily="34" charset="0"/>
+              </a:rPr>
+              <a:t>Reasoning:</a:t>
+            </a:r>
+          </a:p>
+          <a:p>
+            <a:pPr lvl="1">
+              <a:buFont typeface="Wingdings" panose="05000000000000000000" pitchFamily="2" charset="2"/>
+              <a:buChar char="§"/>
+            </a:pPr>
+            <a:r>
+              <a:rPr lang="en-US" sz="2000" dirty="0" smtClean="0">
+                <a:latin typeface="Arial" panose="020B0604020202020204" pitchFamily="34" charset="0"/>
+                <a:cs typeface="Arial" panose="020B0604020202020204" pitchFamily="34" charset="0"/>
+              </a:rPr>
+              <a:t>The concept uses SPREADING ACTIVATION MODEL algorithm which provides SPREADING ACTIVATION NODES through which search process and information retrieval has going to be done.</a:t>
+            </a:r>
+            <a:endParaRPr lang="en-US" sz="2000" dirty="0">
               <a:latin typeface="Arial" panose="020B0604020202020204" pitchFamily="34" charset="0"/>
               <a:cs typeface="Arial" panose="020B0604020202020204" pitchFamily="34" charset="0"/>
             </a:endParaRPr>
@@ -19416,7 +19367,7 @@
     </p:spTree>
     <p:extLst>
       <p:ext uri="{BB962C8B-B14F-4D97-AF65-F5344CB8AC3E}">
-        <p14:creationId xmlns:p14="http://schemas.microsoft.com/office/powerpoint/2010/main" val="3918405347"/>
+        <p14:creationId xmlns:p14="http://schemas.microsoft.com/office/powerpoint/2010/main" val="2540981686"/>
       </p:ext>
     </p:extLst>
   </p:cSld>
@@ -19472,7 +19423,7 @@
           <a:p>
             <a:r>
               <a:rPr lang="en-US" dirty="0" smtClean="0"/>
-              <a:t>Knowledge Infusion Process</a:t>
+              <a:t>EXPERIMENTAL EVALUATION</a:t>
             </a:r>
             <a:endParaRPr lang="en-US" dirty="0"/>
           </a:p>
@@ -19488,91 +19439,74 @@
             <p:ph sz="quarter" idx="1"/>
           </p:nvPr>
         </p:nvSpPr>
-        <p:spPr/>
+        <p:spPr>
+          <a:xfrm>
+            <a:off x="914400" y="1447800"/>
+            <a:ext cx="7772400" cy="5219700"/>
+          </a:xfrm>
+        </p:spPr>
         <p:txBody>
           <a:bodyPr/>
           <a:lstStyle/>
           <a:p>
             <a:r>
-              <a:rPr lang="en-US" sz="2400" dirty="0" smtClean="0">
-                <a:latin typeface="Arial" panose="020B0604020202020204" pitchFamily="34" charset="0"/>
-                <a:cs typeface="Arial" panose="020B0604020202020204" pitchFamily="34" charset="0"/>
-              </a:rPr>
-              <a:t>This process mainly concentrate on Knowledge repository and also gives advantage of </a:t>
-            </a:r>
-            <a:r>
-              <a:rPr lang="en-US" sz="2400" dirty="0" err="1" smtClean="0">
-                <a:latin typeface="Arial" panose="020B0604020202020204" pitchFamily="34" charset="0"/>
-                <a:cs typeface="Arial" panose="020B0604020202020204" pitchFamily="34" charset="0"/>
-              </a:rPr>
-              <a:t>updation</a:t>
-            </a:r>
-            <a:r>
-              <a:rPr lang="en-US" sz="2400" dirty="0" smtClean="0">
-                <a:latin typeface="Arial" panose="020B0604020202020204" pitchFamily="34" charset="0"/>
-                <a:cs typeface="Arial" panose="020B0604020202020204" pitchFamily="34" charset="0"/>
-              </a:rPr>
-              <a:t> an changes.</a:t>
-            </a:r>
-          </a:p>
-          <a:p>
-            <a:r>
-              <a:rPr lang="en-US" sz="2400" dirty="0" smtClean="0">
-                <a:latin typeface="Arial" panose="020B0604020202020204" pitchFamily="34" charset="0"/>
-                <a:cs typeface="Arial" panose="020B0604020202020204" pitchFamily="34" charset="0"/>
-              </a:rPr>
-              <a:t>There are two steps involved in this process:</a:t>
+              <a:rPr lang="en-US" dirty="0" smtClean="0"/>
+              <a:t>The evaluation is going to be done by “</a:t>
+            </a:r>
+            <a:r>
+              <a:rPr lang="en-US" dirty="0" err="1" smtClean="0"/>
+              <a:t>Invitro</a:t>
+            </a:r>
+            <a:r>
+              <a:rPr lang="en-US" dirty="0" smtClean="0"/>
+              <a:t> Experiment”</a:t>
             </a:r>
           </a:p>
           <a:p>
             <a:pPr lvl="2"/>
             <a:r>
-              <a:rPr lang="en-US" sz="1800" dirty="0" smtClean="0">
-                <a:latin typeface="Arial" panose="020B0604020202020204" pitchFamily="34" charset="0"/>
-                <a:cs typeface="Arial" panose="020B0604020202020204" pitchFamily="34" charset="0"/>
-              </a:rPr>
-              <a:t>Knowledge Extraction And Harmonization.</a:t>
+              <a:rPr lang="en-US" dirty="0" smtClean="0"/>
+              <a:t>The main aim of this experiment is to study the trade-off between relevance and unexpectedness of recommendation lists computed by RWR-KI in order to understand whether the suggestions satisfy the personal interests of farmers on the one hand, and encourage the exploration of new areas of potential interests on the other hand.</a:t>
+            </a:r>
+          </a:p>
+          <a:p>
+            <a:r>
+              <a:rPr lang="en-US" dirty="0" smtClean="0"/>
+              <a:t>The evaluation need DATASET and some METRICS:</a:t>
+            </a:r>
+          </a:p>
+          <a:p>
+            <a:r>
+              <a:rPr lang="en-US" dirty="0" smtClean="0"/>
+              <a:t>The Metrics involves:</a:t>
             </a:r>
           </a:p>
           <a:p>
             <a:pPr lvl="2"/>
             <a:r>
-              <a:rPr lang="en-US" sz="1800" dirty="0" smtClean="0">
-                <a:latin typeface="Arial" panose="020B0604020202020204" pitchFamily="34" charset="0"/>
-                <a:cs typeface="Arial" panose="020B0604020202020204" pitchFamily="34" charset="0"/>
-              </a:rPr>
-              <a:t>Reasoning(Network Line Structure)</a:t>
-            </a:r>
-          </a:p>
-          <a:p>
-            <a:pPr>
-              <a:buFont typeface="Wingdings" panose="05000000000000000000" pitchFamily="2" charset="2"/>
-              <a:buChar char="§"/>
+              <a:rPr lang="en-US" dirty="0" smtClean="0"/>
+              <a:t>Relevance Measure</a:t>
+            </a:r>
+          </a:p>
+          <a:p>
+            <a:pPr lvl="2"/>
+            <a:r>
+              <a:rPr lang="en-US" dirty="0" smtClean="0"/>
+              <a:t>Unexpectedness</a:t>
+            </a:r>
+          </a:p>
+          <a:p>
+            <a:pPr lvl="2"/>
+            <a:r>
+              <a:rPr lang="en-US" dirty="0" smtClean="0"/>
+              <a:t>Serendipity</a:t>
+            </a:r>
+          </a:p>
+          <a:p>
+            <a:pPr marL="0" indent="0">
+              <a:buNone/>
             </a:pPr>
-            <a:r>
-              <a:rPr lang="en-US" sz="2400" dirty="0" smtClean="0">
-                <a:latin typeface="Arial" panose="020B0604020202020204" pitchFamily="34" charset="0"/>
-                <a:cs typeface="Arial" panose="020B0604020202020204" pitchFamily="34" charset="0"/>
-              </a:rPr>
-              <a:t>Reasoning:</a:t>
-            </a:r>
-          </a:p>
-          <a:p>
-            <a:pPr lvl="1">
-              <a:buFont typeface="Wingdings" panose="05000000000000000000" pitchFamily="2" charset="2"/>
-              <a:buChar char="§"/>
-            </a:pPr>
-            <a:r>
-              <a:rPr lang="en-US" sz="2000" dirty="0" smtClean="0">
-                <a:latin typeface="Arial" panose="020B0604020202020204" pitchFamily="34" charset="0"/>
-                <a:cs typeface="Arial" panose="020B0604020202020204" pitchFamily="34" charset="0"/>
-              </a:rPr>
-              <a:t>The concept uses SPREADING ACTIVATION MODEL algorithm which provides SPREADING ACTIVATION NODES through which search process and information retrieval has going to be done.</a:t>
-            </a:r>
-            <a:endParaRPr lang="en-US" sz="2000" dirty="0">
-              <a:latin typeface="Arial" panose="020B0604020202020204" pitchFamily="34" charset="0"/>
-              <a:cs typeface="Arial" panose="020B0604020202020204" pitchFamily="34" charset="0"/>
-            </a:endParaRPr>
+            <a:endParaRPr lang="en-US" dirty="0"/>
           </a:p>
         </p:txBody>
       </p:sp>
@@ -19634,7 +19568,7 @@
     </p:spTree>
     <p:extLst>
       <p:ext uri="{BB962C8B-B14F-4D97-AF65-F5344CB8AC3E}">
-        <p14:creationId xmlns:p14="http://schemas.microsoft.com/office/powerpoint/2010/main" val="2540981686"/>
+        <p14:creationId xmlns:p14="http://schemas.microsoft.com/office/powerpoint/2010/main" val="2158144607"/>
       </p:ext>
     </p:extLst>
   </p:cSld>

--- a/Second Review Presentation.pptx
+++ b/Second Review Presentation.pptx
@@ -280,7 +280,7 @@
               <a:pPr>
                 <a:defRPr/>
               </a:pPr>
-              <a:t>9/9/2018</a:t>
+              <a:t>9/10/2018</a:t>
             </a:fld>
             <a:endParaRPr lang="en-IN"/>
           </a:p>
@@ -1030,7 +1030,7 @@
               <a:pPr>
                 <a:defRPr/>
               </a:pPr>
-              <a:t>9/9/2018</a:t>
+              <a:t>9/10/2018</a:t>
             </a:fld>
             <a:endParaRPr lang="en-US"/>
           </a:p>
@@ -1229,7 +1229,7 @@
               <a:pPr>
                 <a:defRPr/>
               </a:pPr>
-              <a:t>9/9/2018</a:t>
+              <a:t>9/10/2018</a:t>
             </a:fld>
             <a:endParaRPr lang="en-US"/>
           </a:p>
@@ -1434,7 +1434,7 @@
               <a:pPr>
                 <a:defRPr/>
               </a:pPr>
-              <a:t>9/9/2018</a:t>
+              <a:t>9/10/2018</a:t>
             </a:fld>
             <a:endParaRPr lang="en-US"/>
           </a:p>
@@ -1634,7 +1634,7 @@
               <a:pPr>
                 <a:defRPr/>
               </a:pPr>
-              <a:t>9/9/2018</a:t>
+              <a:t>9/10/2018</a:t>
             </a:fld>
             <a:endParaRPr lang="en-US"/>
           </a:p>
@@ -2147,7 +2147,7 @@
               <a:pPr>
                 <a:defRPr/>
               </a:pPr>
-              <a:t>9/9/2018</a:t>
+              <a:t>9/10/2018</a:t>
             </a:fld>
             <a:endParaRPr lang="en-US"/>
           </a:p>
@@ -2414,7 +2414,7 @@
               <a:pPr>
                 <a:defRPr/>
               </a:pPr>
-              <a:t>9/9/2018</a:t>
+              <a:t>9/10/2018</a:t>
             </a:fld>
             <a:endParaRPr lang="en-US"/>
           </a:p>
@@ -2806,7 +2806,7 @@
               <a:pPr>
                 <a:defRPr/>
               </a:pPr>
-              <a:t>9/9/2018</a:t>
+              <a:t>9/10/2018</a:t>
             </a:fld>
             <a:endParaRPr lang="en-US"/>
           </a:p>
@@ -2949,7 +2949,7 @@
               <a:pPr>
                 <a:defRPr/>
               </a:pPr>
-              <a:t>9/9/2018</a:t>
+              <a:t>9/10/2018</a:t>
             </a:fld>
             <a:endParaRPr lang="en-US"/>
           </a:p>
@@ -3069,7 +3069,7 @@
               <a:pPr>
                 <a:defRPr/>
               </a:pPr>
-              <a:t>9/9/2018</a:t>
+              <a:t>9/10/2018</a:t>
             </a:fld>
             <a:endParaRPr lang="en-US"/>
           </a:p>
@@ -3439,7 +3439,7 @@
               <a:pPr>
                 <a:defRPr/>
               </a:pPr>
-              <a:t>9/9/2018</a:t>
+              <a:t>9/10/2018</a:t>
             </a:fld>
             <a:endParaRPr lang="en-US"/>
           </a:p>
@@ -3856,7 +3856,7 @@
               <a:pPr>
                 <a:defRPr/>
               </a:pPr>
-              <a:t>9/9/2018</a:t>
+              <a:t>9/10/2018</a:t>
             </a:fld>
             <a:endParaRPr lang="en-US"/>
           </a:p>
@@ -4233,7 +4233,7 @@
               <a:pPr>
                 <a:defRPr/>
               </a:pPr>
-              <a:t>9/9/2018</a:t>
+              <a:t>9/10/2018</a:t>
             </a:fld>
             <a:endParaRPr lang="en-US"/>
           </a:p>
@@ -6177,11 +6177,22 @@
             <p:ph sz="quarter" idx="1"/>
           </p:nvPr>
         </p:nvSpPr>
-        <p:spPr/>
+        <p:spPr>
+          <a:xfrm>
+            <a:off x="914400" y="1447800"/>
+            <a:ext cx="7772400" cy="1676400"/>
+          </a:xfrm>
+        </p:spPr>
         <p:txBody>
           <a:bodyPr/>
           <a:lstStyle/>
           <a:p>
+            <a:r>
+              <a:rPr lang="en-US" dirty="0">
+                <a:hlinkClick r:id="rId2"/>
+              </a:rPr>
+              <a:t>https://github.com/CreativeCrops/Review-II/blob/master/review%20ii.ipynb</a:t>
+            </a:r>
             <a:endParaRPr lang="en-US" dirty="0"/>
           </a:p>
         </p:txBody>
@@ -6347,6 +6358,16 @@
               </a:rPr>
               <a:t>/</a:t>
             </a:r>
+            <a:endParaRPr lang="en-US" dirty="0" smtClean="0"/>
+          </a:p>
+          <a:p>
+            <a:pPr lvl="1"/>
+            <a:r>
+              <a:rPr lang="en-US" dirty="0">
+                <a:hlinkClick r:id="rId3"/>
+              </a:rPr>
+              <a:t>https://github.com/CreativeCrops/Review-II/blob/master/dataset_v2.csv</a:t>
+            </a:r>
             <a:endParaRPr lang="en-US" dirty="0"/>
           </a:p>
           <a:p>
@@ -6492,12 +6513,26 @@
             <p:ph sz="quarter" idx="1"/>
           </p:nvPr>
         </p:nvSpPr>
-        <p:spPr/>
+        <p:spPr>
+          <a:xfrm>
+            <a:off x="685014" y="2514600"/>
+            <a:ext cx="8001000" cy="1143000"/>
+          </a:xfrm>
+        </p:spPr>
         <p:txBody>
           <a:bodyPr/>
           <a:lstStyle/>
           <a:p>
-            <a:endParaRPr lang="en-US"/>
+            <a:pPr marL="0" indent="0" algn="ctr">
+              <a:buNone/>
+            </a:pPr>
+            <a:r>
+              <a:rPr lang="en-US" dirty="0">
+                <a:hlinkClick r:id="rId2"/>
+              </a:rPr>
+              <a:t>https://creativecrops.github.io/Review-II/Certification.html</a:t>
+            </a:r>
+            <a:endParaRPr lang="en-US" dirty="0"/>
           </a:p>
         </p:txBody>
       </p:sp>
@@ -18980,6 +19015,12 @@
           <a:bodyPr/>
           <a:lstStyle/>
           <a:p>
+            <a:r>
+              <a:rPr lang="en-US" dirty="0">
+                <a:hlinkClick r:id="rId2"/>
+              </a:rPr>
+              <a:t>https://creativecrops.github.io/Review-II/references.html</a:t>
+            </a:r>
             <a:endParaRPr lang="en-US" dirty="0"/>
           </a:p>
         </p:txBody>
